--- a/presentation_how_ai_writes_20200304.pptx
+++ b/presentation_how_ai_writes_20200304.pptx
@@ -14827,24 +14827,24 @@
               <a:rPr lang="en" dirty="0"/>
             </a:br>
             <a:r>
-              <a:rPr lang="en" sz="3200" dirty="0"/>
+              <a:rPr lang="en" sz="2400" dirty="0"/>
               <a:t>Narrative2020 Conference</a:t>
             </a:r>
             <a:br>
-              <a:rPr lang="en" sz="3200" dirty="0"/>
+              <a:rPr lang="en" sz="2400" dirty="0"/>
             </a:br>
             <a:r>
-              <a:rPr lang="en" sz="3200" dirty="0"/>
+              <a:rPr lang="en" sz="2400" dirty="0"/>
               <a:t>March 2020</a:t>
             </a:r>
             <a:br>
-              <a:rPr lang="en" sz="3200" dirty="0"/>
+              <a:rPr lang="en" sz="2400" dirty="0"/>
             </a:br>
             <a:r>
-              <a:rPr lang="en" sz="3200" dirty="0"/>
+              <a:rPr lang="en" sz="2400" dirty="0"/>
               <a:t>New Orleans</a:t>
             </a:r>
-            <a:endParaRPr sz="3200" dirty="0"/>
+            <a:endParaRPr sz="2400" dirty="0"/>
           </a:p>
         </p:txBody>
       </p:sp>
@@ -14883,10 +14883,10 @@
               <a:buNone/>
             </a:pPr>
             <a:r>
-              <a:rPr lang="en"/>
+              <a:rPr lang="en" dirty="0"/>
               <a:t>Natural Language Generation and Stories</a:t>
             </a:r>
-            <a:endParaRPr/>
+            <a:endParaRPr dirty="0"/>
           </a:p>
           <a:p>
             <a:pPr marL="0" lvl="0" indent="0" algn="ctr" rtl="0">
@@ -14899,10 +14899,10 @@
               <a:buNone/>
             </a:pPr>
             <a:r>
-              <a:rPr lang="en"/>
+              <a:rPr lang="en" sz="2400" dirty="0"/>
               <a:t>Jon Chun</a:t>
             </a:r>
-            <a:endParaRPr/>
+            <a:endParaRPr sz="2400" dirty="0"/>
           </a:p>
           <a:p>
             <a:pPr marL="0" lvl="0" indent="0" algn="ctr" rtl="0">
@@ -14915,10 +14915,10 @@
               <a:buNone/>
             </a:pPr>
             <a:r>
-              <a:rPr lang="en"/>
+              <a:rPr lang="en" sz="2400" dirty="0"/>
               <a:t>Kenyon College</a:t>
             </a:r>
-            <a:endParaRPr/>
+            <a:endParaRPr sz="2400" dirty="0"/>
           </a:p>
         </p:txBody>
       </p:sp>
